--- a/课程ppt/第5讲 自定义菜单.pptx
+++ b/课程ppt/第5讲 自定义菜单.pptx
@@ -9,10 +9,10 @@
     <p:sldMasterId id="2147483691" r:id="rId5"/>
   </p:sldMasterIdLst>
   <p:notesMasterIdLst>
-    <p:notesMasterId r:id="rId32"/>
+    <p:notesMasterId r:id="rId33"/>
   </p:notesMasterIdLst>
   <p:handoutMasterIdLst>
-    <p:handoutMasterId r:id="rId33"/>
+    <p:handoutMasterId r:id="rId34"/>
   </p:handoutMasterIdLst>
   <p:sldIdLst>
     <p:sldId id="257" r:id="rId6"/>
@@ -37,15 +37,16 @@
     <p:sldId id="472" r:id="rId25"/>
     <p:sldId id="469" r:id="rId26"/>
     <p:sldId id="457" r:id="rId27"/>
-    <p:sldId id="435" r:id="rId28"/>
-    <p:sldId id="481" r:id="rId29"/>
-    <p:sldId id="482" r:id="rId30"/>
-    <p:sldId id="311" r:id="rId31"/>
+    <p:sldId id="485" r:id="rId28"/>
+    <p:sldId id="435" r:id="rId29"/>
+    <p:sldId id="481" r:id="rId30"/>
+    <p:sldId id="482" r:id="rId31"/>
+    <p:sldId id="311" r:id="rId32"/>
   </p:sldIdLst>
   <p:sldSz cx="12192000" cy="6858000"/>
   <p:notesSz cx="6858000" cy="9144000"/>
   <p:custDataLst>
-    <p:tags r:id="rId34"/>
+    <p:tags r:id="rId35"/>
   </p:custDataLst>
   <p:defaultTextStyle>
     <a:defPPr>
@@ -276,7 +277,7 @@
           <a:p>
             <a:fld id="{2B71C804-97F5-4B36-A7AC-EEEC7F44F6C2}" type="datetimeFigureOut">
               <a:rPr lang="zh-CN" altLang="en-US" smtClean="0"/>
-              <a:t>2017/8/23</a:t>
+              <a:t>2017/8/31</a:t>
             </a:fld>
             <a:endParaRPr lang="zh-CN" altLang="en-US"/>
           </a:p>
@@ -442,7 +443,7 @@
           <a:p>
             <a:fld id="{0568D9C6-D8DC-4CC3-8480-E0C4DBA1CC07}" type="datetimeFigureOut">
               <a:rPr lang="zh-CN" altLang="en-US" smtClean="0"/>
-              <a:t>2017/8/23</a:t>
+              <a:t>2017/8/31</a:t>
             </a:fld>
             <a:endParaRPr lang="zh-CN" altLang="en-US"/>
           </a:p>
@@ -953,7 +954,7 @@
                 <a:ea typeface="宋体" charset="-122"/>
               </a:rPr>
               <a:pPr algn="r" eaLnBrk="1" hangingPunct="1"/>
-              <a:t>26</a:t>
+              <a:t>27</a:t>
             </a:fld>
             <a:endParaRPr lang="zh-CN" altLang="en-US" sz="1200">
               <a:latin typeface="Calibri" pitchFamily="34" charset="0"/>
@@ -1055,7 +1056,7 @@
           <a:p>
             <a:fld id="{DB9D664F-4C68-42D2-B189-678958EFAFDA}" type="datetime1">
               <a:rPr lang="zh-CN" altLang="en-US" smtClean="0"/>
-              <a:t>2017/8/23</a:t>
+              <a:t>2017/8/31</a:t>
             </a:fld>
             <a:endParaRPr lang="zh-CN" altLang="en-US"/>
           </a:p>
@@ -2037,7 +2038,7 @@
           <a:p>
             <a:fld id="{ED5513C8-E3A4-4D78-B249-887659A958FF}" type="datetime1">
               <a:rPr lang="en-US" altLang="zh-CN" smtClean="0"/>
-              <a:t>8/23/2017</a:t>
+              <a:t>8/31/2017</a:t>
             </a:fld>
             <a:endParaRPr lang="en-US"/>
           </a:p>
@@ -2215,7 +2216,7 @@
           <a:p>
             <a:fld id="{EBEDA52C-3EEE-4289-818C-901C0A7814FE}" type="datetime1">
               <a:rPr lang="en-US" altLang="zh-CN" smtClean="0"/>
-              <a:t>8/23/2017</a:t>
+              <a:t>8/31/2017</a:t>
             </a:fld>
             <a:endParaRPr lang="en-US"/>
           </a:p>
@@ -2469,7 +2470,7 @@
           <a:p>
             <a:fld id="{09EF5D7F-EA15-485C-85DD-8FDC010A62D4}" type="datetime1">
               <a:rPr lang="en-US" altLang="zh-CN" smtClean="0"/>
-              <a:t>8/23/2017</a:t>
+              <a:t>8/31/2017</a:t>
             </a:fld>
             <a:endParaRPr lang="en-US"/>
           </a:p>
@@ -2709,7 +2710,7 @@
           <a:p>
             <a:fld id="{9541C2B2-0BAB-4CD4-83EE-25F1A7138896}" type="datetime1">
               <a:rPr lang="en-US" altLang="zh-CN" smtClean="0"/>
-              <a:t>8/23/2017</a:t>
+              <a:t>8/31/2017</a:t>
             </a:fld>
             <a:endParaRPr lang="en-US"/>
           </a:p>
@@ -3084,7 +3085,7 @@
           <a:p>
             <a:fld id="{7DEA23E7-D0FC-41DC-8745-BE6FC447B182}" type="datetime1">
               <a:rPr lang="en-US" altLang="zh-CN" smtClean="0"/>
-              <a:t>8/23/2017</a:t>
+              <a:t>8/31/2017</a:t>
             </a:fld>
             <a:endParaRPr lang="en-US"/>
           </a:p>
@@ -3869,7 +3870,7 @@
           <a:p>
             <a:fld id="{5DEA8378-5F33-490B-8120-8DE6B7EE2781}" type="datetime1">
               <a:rPr lang="en-US" altLang="zh-CN" smtClean="0"/>
-              <a:t>8/23/2017</a:t>
+              <a:t>8/31/2017</a:t>
             </a:fld>
             <a:endParaRPr lang="en-US"/>
           </a:p>
@@ -4123,7 +4124,7 @@
           <a:p>
             <a:fld id="{38DD30CF-78A7-4C73-91B4-38D3E3317745}" type="datetime1">
               <a:rPr lang="en-US" altLang="zh-CN" smtClean="0"/>
-              <a:t>8/23/2017</a:t>
+              <a:t>8/31/2017</a:t>
             </a:fld>
             <a:endParaRPr lang="en-US"/>
           </a:p>
@@ -4226,7 +4227,7 @@
           <a:p>
             <a:fld id="{A1BE0A72-8501-4974-A7B7-5BD248ABBAFC}" type="datetime1">
               <a:rPr lang="zh-CN" altLang="en-US" smtClean="0"/>
-              <a:t>2017/8/23</a:t>
+              <a:t>2017/8/31</a:t>
             </a:fld>
             <a:endParaRPr lang="zh-CN" altLang="en-US"/>
           </a:p>
@@ -4487,7 +4488,7 @@
           <a:p>
             <a:fld id="{0B7E01DD-16D0-4DBA-9C1A-51468BA0B73A}" type="datetime1">
               <a:rPr lang="en-US" altLang="zh-CN" smtClean="0"/>
-              <a:t>8/23/2017</a:t>
+              <a:t>8/31/2017</a:t>
             </a:fld>
             <a:endParaRPr lang="en-US"/>
           </a:p>
@@ -4665,7 +4666,7 @@
           <a:p>
             <a:fld id="{B587E63F-0E62-4A50-901F-E071D77F7634}" type="datetime1">
               <a:rPr lang="en-US" altLang="zh-CN" smtClean="0"/>
-              <a:t>8/23/2017</a:t>
+              <a:t>8/31/2017</a:t>
             </a:fld>
             <a:endParaRPr lang="en-US"/>
           </a:p>
@@ -4853,7 +4854,7 @@
           <a:p>
             <a:fld id="{BD8521E8-9297-400B-AD8C-0A4D05699D33}" type="datetime1">
               <a:rPr lang="en-US" altLang="zh-CN" smtClean="0"/>
-              <a:t>8/23/2017</a:t>
+              <a:t>8/31/2017</a:t>
             </a:fld>
             <a:endParaRPr lang="en-US"/>
           </a:p>
@@ -5084,7 +5085,7 @@
           <a:p>
             <a:fld id="{ED5513C8-E3A4-4D78-B249-887659A958FF}" type="datetime1">
               <a:rPr lang="en-US" altLang="zh-CN" smtClean="0"/>
-              <a:t>8/23/2017</a:t>
+              <a:t>8/31/2017</a:t>
             </a:fld>
             <a:endParaRPr lang="en-US"/>
           </a:p>
@@ -5262,7 +5263,7 @@
           <a:p>
             <a:fld id="{EBEDA52C-3EEE-4289-818C-901C0A7814FE}" type="datetime1">
               <a:rPr lang="en-US" altLang="zh-CN" smtClean="0"/>
-              <a:t>8/23/2017</a:t>
+              <a:t>8/31/2017</a:t>
             </a:fld>
             <a:endParaRPr lang="en-US"/>
           </a:p>
@@ -5516,7 +5517,7 @@
           <a:p>
             <a:fld id="{09EF5D7F-EA15-485C-85DD-8FDC010A62D4}" type="datetime1">
               <a:rPr lang="en-US" altLang="zh-CN" smtClean="0"/>
-              <a:t>8/23/2017</a:t>
+              <a:t>8/31/2017</a:t>
             </a:fld>
             <a:endParaRPr lang="en-US"/>
           </a:p>
@@ -5756,7 +5757,7 @@
           <a:p>
             <a:fld id="{9541C2B2-0BAB-4CD4-83EE-25F1A7138896}" type="datetime1">
               <a:rPr lang="en-US" altLang="zh-CN" smtClean="0"/>
-              <a:t>8/23/2017</a:t>
+              <a:t>8/31/2017</a:t>
             </a:fld>
             <a:endParaRPr lang="en-US"/>
           </a:p>
@@ -6131,7 +6132,7 @@
           <a:p>
             <a:fld id="{7DEA23E7-D0FC-41DC-8745-BE6FC447B182}" type="datetime1">
               <a:rPr lang="en-US" altLang="zh-CN" smtClean="0"/>
-              <a:t>8/23/2017</a:t>
+              <a:t>8/31/2017</a:t>
             </a:fld>
             <a:endParaRPr lang="en-US"/>
           </a:p>
@@ -6916,7 +6917,7 @@
           <a:p>
             <a:fld id="{A1BE0A72-8501-4974-A7B7-5BD248ABBAFC}" type="datetime1">
               <a:rPr lang="zh-CN" altLang="en-US" smtClean="0"/>
-              <a:t>2017/8/23</a:t>
+              <a:t>2017/8/31</a:t>
             </a:fld>
             <a:endParaRPr lang="zh-CN" altLang="en-US"/>
           </a:p>
@@ -6969,7 +6970,7 @@
           <a:p>
             <a:fld id="{5DEA8378-5F33-490B-8120-8DE6B7EE2781}" type="datetime1">
               <a:rPr lang="en-US" altLang="zh-CN" smtClean="0"/>
-              <a:t>8/23/2017</a:t>
+              <a:t>8/31/2017</a:t>
             </a:fld>
             <a:endParaRPr lang="en-US"/>
           </a:p>
@@ -7223,7 +7224,7 @@
           <a:p>
             <a:fld id="{38DD30CF-78A7-4C73-91B4-38D3E3317745}" type="datetime1">
               <a:rPr lang="en-US" altLang="zh-CN" smtClean="0"/>
-              <a:t>8/23/2017</a:t>
+              <a:t>8/31/2017</a:t>
             </a:fld>
             <a:endParaRPr lang="en-US"/>
           </a:p>
@@ -7488,7 +7489,7 @@
           <a:p>
             <a:fld id="{0B7E01DD-16D0-4DBA-9C1A-51468BA0B73A}" type="datetime1">
               <a:rPr lang="en-US" altLang="zh-CN" smtClean="0"/>
-              <a:t>8/23/2017</a:t>
+              <a:t>8/31/2017</a:t>
             </a:fld>
             <a:endParaRPr lang="en-US"/>
           </a:p>
@@ -7666,7 +7667,7 @@
           <a:p>
             <a:fld id="{B587E63F-0E62-4A50-901F-E071D77F7634}" type="datetime1">
               <a:rPr lang="en-US" altLang="zh-CN" smtClean="0"/>
-              <a:t>8/23/2017</a:t>
+              <a:t>8/31/2017</a:t>
             </a:fld>
             <a:endParaRPr lang="en-US"/>
           </a:p>
@@ -7854,7 +7855,7 @@
           <a:p>
             <a:fld id="{BD8521E8-9297-400B-AD8C-0A4D05699D33}" type="datetime1">
               <a:rPr lang="en-US" altLang="zh-CN" smtClean="0"/>
-              <a:t>8/23/2017</a:t>
+              <a:t>8/31/2017</a:t>
             </a:fld>
             <a:endParaRPr lang="en-US"/>
           </a:p>
@@ -7957,7 +7958,7 @@
           <a:p>
             <a:fld id="{EF452D9C-F9EB-4417-9C3A-C876C2AF9415}" type="datetime1">
               <a:rPr lang="zh-CN" altLang="en-US" smtClean="0"/>
-              <a:t>2017/8/23</a:t>
+              <a:t>2017/8/31</a:t>
             </a:fld>
             <a:endParaRPr lang="zh-CN" altLang="en-US"/>
           </a:p>
@@ -8143,7 +8144,7 @@
           <a:p>
             <a:fld id="{2F2E9289-9B4C-49AE-BDDA-70D6EDC89D17}" type="datetime1">
               <a:rPr lang="zh-CN" altLang="en-US" smtClean="0"/>
-              <a:t>2017/8/23</a:t>
+              <a:t>2017/8/31</a:t>
             </a:fld>
             <a:endParaRPr lang="zh-CN" altLang="en-US"/>
           </a:p>
@@ -8313,7 +8314,7 @@
           <a:p>
             <a:fld id="{2F2E9289-9B4C-49AE-BDDA-70D6EDC89D17}" type="datetime1">
               <a:rPr lang="zh-CN" altLang="en-US" smtClean="0"/>
-              <a:t>2017/8/23</a:t>
+              <a:t>2017/8/31</a:t>
             </a:fld>
             <a:endParaRPr lang="zh-CN" altLang="en-US"/>
           </a:p>
@@ -8549,7 +8550,7 @@
           <a:p>
             <a:fld id="{8C5BA751-A251-47D6-8494-C134D9EBED5F}" type="datetime1">
               <a:rPr lang="zh-CN" altLang="en-US" smtClean="0"/>
-              <a:t>2017/8/23</a:t>
+              <a:t>2017/8/31</a:t>
             </a:fld>
             <a:endParaRPr lang="zh-CN" altLang="en-US"/>
           </a:p>
@@ -8905,7 +8906,7 @@
           <a:p>
             <a:fld id="{C46E2078-F302-4651-A2A2-2FC6C4E1A3F1}" type="datetime1">
               <a:rPr lang="zh-CN" altLang="en-US" smtClean="0"/>
-              <a:t>2017/8/23</a:t>
+              <a:t>2017/8/31</a:t>
             </a:fld>
             <a:endParaRPr lang="zh-CN" altLang="en-US"/>
           </a:p>
@@ -9027,7 +9028,7 @@
               <a:pPr>
                 <a:defRPr/>
               </a:pPr>
-              <a:t>2017/8/23</a:t>
+              <a:t>2017/8/31</a:t>
             </a:fld>
             <a:endParaRPr lang="zh-CN" altLang="en-US"/>
           </a:p>
@@ -9175,7 +9176,7 @@
           <a:p>
             <a:fld id="{A1BE0A72-8501-4974-A7B7-5BD248ABBAFC}" type="datetime1">
               <a:rPr lang="zh-CN" altLang="en-US" smtClean="0"/>
-              <a:t>2017/8/23</a:t>
+              <a:t>2017/8/31</a:t>
             </a:fld>
             <a:endParaRPr lang="zh-CN" altLang="en-US"/>
           </a:p>
@@ -9689,7 +9690,7 @@
           <a:p>
             <a:fld id="{A1BE0A72-8501-4974-A7B7-5BD248ABBAFC}" type="datetime1">
               <a:rPr lang="zh-CN" altLang="en-US" smtClean="0"/>
-              <a:t>2017/8/23</a:t>
+              <a:t>2017/8/31</a:t>
             </a:fld>
             <a:endParaRPr lang="zh-CN" altLang="en-US"/>
           </a:p>
@@ -10295,7 +10296,7 @@
           <a:p>
             <a:fld id="{7A78726F-0AD2-4A20-BC72-263D2D3F3A2F}" type="datetime1">
               <a:rPr lang="en-US" altLang="zh-CN" smtClean="0"/>
-              <a:t>8/23/2017</a:t>
+              <a:t>8/31/2017</a:t>
             </a:fld>
             <a:endParaRPr lang="en-US"/>
           </a:p>
@@ -11276,7 +11277,7 @@
           <a:p>
             <a:fld id="{A1BE0A72-8501-4974-A7B7-5BD248ABBAFC}" type="datetime1">
               <a:rPr lang="zh-CN" altLang="en-US" smtClean="0"/>
-              <a:t>2017/8/23</a:t>
+              <a:t>2017/8/31</a:t>
             </a:fld>
             <a:endParaRPr lang="zh-CN" altLang="en-US"/>
           </a:p>
@@ -11882,7 +11883,7 @@
           <a:p>
             <a:fld id="{7A78726F-0AD2-4A20-BC72-263D2D3F3A2F}" type="datetime1">
               <a:rPr lang="en-US" altLang="zh-CN" smtClean="0"/>
-              <a:t>8/23/2017</a:t>
+              <a:t>8/31/2017</a:t>
             </a:fld>
             <a:endParaRPr lang="en-US"/>
           </a:p>
@@ -16912,7 +16913,7 @@
         </p:nvSpPr>
         <p:spPr>
           <a:xfrm>
-            <a:off x="1054100" y="1568177"/>
+            <a:off x="1054100" y="1660358"/>
             <a:ext cx="10515600" cy="969496"/>
           </a:xfrm>
           <a:prstGeom prst="rect">
@@ -16991,13 +16992,13 @@
           <p:nvPr>
             <p:extLst>
               <p:ext uri="{D42A27DB-BD31-4B8C-83A1-F6EECF244321}">
-                <p14:modId xmlns:p14="http://schemas.microsoft.com/office/powerpoint/2010/main" val="217330159"/>
+                <p14:modId xmlns:p14="http://schemas.microsoft.com/office/powerpoint/2010/main" val="1659190462"/>
               </p:ext>
             </p:extLst>
           </p:nvPr>
         </p:nvGraphicFramePr>
         <p:xfrm>
-          <a:off x="1178308" y="2709173"/>
+          <a:off x="1178308" y="2728837"/>
           <a:ext cx="9416118" cy="1515988"/>
         </p:xfrm>
         <a:graphic>
@@ -17142,14 +17143,14 @@
                     <a:p>
                       <a:pPr algn="ctr"/>
                       <a:r>
-                        <a:rPr lang="en-US">
+                        <a:rPr lang="en-US" dirty="0" err="1">
                           <a:effectLst/>
                           <a:latin typeface="微软雅黑" panose="020B0503020204020204" pitchFamily="34" charset="-122"/>
                           <a:ea typeface="微软雅黑" panose="020B0503020204020204" pitchFamily="34" charset="-122"/>
                         </a:rPr>
                         <a:t>grant_type</a:t>
                       </a:r>
-                      <a:endParaRPr lang="en-US"/>
+                      <a:endParaRPr lang="en-US" dirty="0"/>
                     </a:p>
                   </a:txBody>
                   <a:tcPr marL="30480" marR="30480" marT="30480" marB="30480" anchor="ctr">
@@ -17599,18 +17600,18 @@
       </p:grpSpPr>
       <p:sp>
         <p:nvSpPr>
-          <p:cNvPr id="3" name="内容占位符 2"/>
+          <p:cNvPr id="2" name="内容占位符 1"/>
           <p:cNvSpPr>
             <a:spLocks noGrp="1"/>
           </p:cNvSpPr>
           <p:nvPr>
-            <p:ph sz="quarter" idx="15"/>
+            <p:ph sz="quarter" idx="13"/>
           </p:nvPr>
         </p:nvSpPr>
         <p:spPr>
           <a:xfrm>
-            <a:off x="917622" y="516340"/>
-            <a:ext cx="4852557" cy="685800"/>
+            <a:off x="1054100" y="543636"/>
+            <a:ext cx="6546850" cy="685800"/>
           </a:xfrm>
         </p:spPr>
         <p:txBody>
@@ -17619,21 +17620,21 @@
           <a:p>
             <a:r>
               <a:rPr lang="zh-CN" altLang="en-US" b="0" dirty="0"/>
-              <a:t>创建自定义菜单</a:t>
-            </a:r>
-          </a:p>
-        </p:txBody>
-      </p:sp>
-      <p:sp>
-        <p:nvSpPr>
-          <p:cNvPr id="6" name="文本框 5"/>
+              <a:t>小练习</a:t>
+            </a:r>
+          </a:p>
+        </p:txBody>
+      </p:sp>
+      <p:sp>
+        <p:nvSpPr>
+          <p:cNvPr id="4" name="文本框 3"/>
           <p:cNvSpPr txBox="1"/>
           <p:nvPr/>
         </p:nvSpPr>
         <p:spPr>
           <a:xfrm>
-            <a:off x="917622" y="1603874"/>
-            <a:ext cx="10498455" cy="2862322"/>
+            <a:off x="1054100" y="1660358"/>
+            <a:ext cx="10515600" cy="1477328"/>
           </a:xfrm>
           <a:prstGeom prst="rect">
             <a:avLst/>
@@ -17658,29 +17659,63 @@
                 <a:latin typeface="微软雅黑" panose="020B0503020204020204" pitchFamily="34" charset="-122"/>
                 <a:ea typeface="微软雅黑" panose="020B0503020204020204" pitchFamily="34" charset="-122"/>
               </a:rPr>
-              <a:t>在以上代码基础上实现自定义菜单功能：</a:t>
+              <a:t>封装一个</a:t>
+            </a:r>
+            <a:r>
+              <a:rPr lang="en-US" altLang="zh-CN" sz="2000" dirty="0" err="1">
+                <a:latin typeface="微软雅黑" panose="020B0503020204020204" pitchFamily="34" charset="-122"/>
+                <a:ea typeface="微软雅黑" panose="020B0503020204020204" pitchFamily="34" charset="-122"/>
+              </a:rPr>
+              <a:t>access_token</a:t>
+            </a:r>
+            <a:r>
+              <a:rPr lang="zh-CN" altLang="en-US" sz="2000" dirty="0">
+                <a:latin typeface="微软雅黑" panose="020B0503020204020204" pitchFamily="34" charset="-122"/>
+                <a:ea typeface="微软雅黑" panose="020B0503020204020204" pitchFamily="34" charset="-122"/>
+              </a:rPr>
+              <a:t>管理的类，用于快速获取</a:t>
             </a:r>
             <a:r>
               <a:rPr lang="en-US" altLang="zh-CN" sz="2000" dirty="0">
                 <a:latin typeface="微软雅黑" panose="020B0503020204020204" pitchFamily="34" charset="-122"/>
                 <a:ea typeface="微软雅黑" panose="020B0503020204020204" pitchFamily="34" charset="-122"/>
               </a:rPr>
-              <a:t> </a:t>
+              <a:t>access_ token</a:t>
+            </a:r>
+            <a:r>
+              <a:rPr lang="zh-CN" altLang="en-US" sz="2000" dirty="0">
+                <a:latin typeface="微软雅黑" panose="020B0503020204020204" pitchFamily="34" charset="-122"/>
+                <a:ea typeface="微软雅黑" panose="020B0503020204020204" pitchFamily="34" charset="-122"/>
+              </a:rPr>
+              <a:t>。要求：每次获取从已获得的</a:t>
             </a:r>
             <a:r>
               <a:rPr lang="en-US" altLang="zh-CN" sz="2000" dirty="0">
                 <a:latin typeface="微软雅黑" panose="020B0503020204020204" pitchFamily="34" charset="-122"/>
                 <a:ea typeface="微软雅黑" panose="020B0503020204020204" pitchFamily="34" charset="-122"/>
-                <a:hlinkClick r:id="rId2"/>
-              </a:rPr>
-              <a:t>https://api.weixin.qq.com/cgi-bin/menu/create?access_token=ACCESS_TOKEN</a:t>
+              </a:rPr>
+              <a:t>access_ token</a:t>
             </a:r>
             <a:r>
               <a:rPr lang="zh-CN" altLang="en-US" sz="2000" dirty="0">
                 <a:latin typeface="微软雅黑" panose="020B0503020204020204" pitchFamily="34" charset="-122"/>
                 <a:ea typeface="微软雅黑" panose="020B0503020204020204" pitchFamily="34" charset="-122"/>
               </a:rPr>
-              <a:t>是创建自定义菜单的接口，把之前获取到的</a:t>
+              <a:t>读取，如果没有或</a:t>
+            </a:r>
+            <a:r>
+              <a:rPr lang="en-US" altLang="zh-CN" sz="2000" dirty="0">
+                <a:latin typeface="微软雅黑" panose="020B0503020204020204" pitchFamily="34" charset="-122"/>
+                <a:ea typeface="微软雅黑" panose="020B0503020204020204" pitchFamily="34" charset="-122"/>
+              </a:rPr>
+              <a:t>access_ token</a:t>
+            </a:r>
+            <a:r>
+              <a:rPr lang="zh-CN" altLang="en-US" sz="2000" dirty="0">
+                <a:latin typeface="微软雅黑" panose="020B0503020204020204" pitchFamily="34" charset="-122"/>
+                <a:ea typeface="微软雅黑" panose="020B0503020204020204" pitchFamily="34" charset="-122"/>
+              </a:rPr>
+              <a:t>过期则重新获取，否则直接返回已获取的</a:t>
             </a:r>
             <a:r>
               <a:rPr lang="en-US" altLang="zh-CN" sz="2000" dirty="0" err="1">
@@ -17694,141 +17729,19 @@
                 <a:latin typeface="微软雅黑" panose="020B0503020204020204" pitchFamily="34" charset="-122"/>
                 <a:ea typeface="微软雅黑" panose="020B0503020204020204" pitchFamily="34" charset="-122"/>
               </a:rPr>
-              <a:t>作为</a:t>
-            </a:r>
-            <a:r>
-              <a:rPr lang="en-US" altLang="zh-CN" sz="2000" dirty="0">
-                <a:latin typeface="微软雅黑" panose="020B0503020204020204" pitchFamily="34" charset="-122"/>
-                <a:ea typeface="微软雅黑" panose="020B0503020204020204" pitchFamily="34" charset="-122"/>
-              </a:rPr>
-              <a:t>get</a:t>
-            </a:r>
-            <a:r>
-              <a:rPr lang="zh-CN" altLang="en-US" sz="2000" dirty="0">
-                <a:latin typeface="微软雅黑" panose="020B0503020204020204" pitchFamily="34" charset="-122"/>
-                <a:ea typeface="微软雅黑" panose="020B0503020204020204" pitchFamily="34" charset="-122"/>
-              </a:rPr>
-              <a:t>参数，</a:t>
-            </a:r>
-            <a:r>
-              <a:rPr lang="en-US" altLang="zh-CN" sz="2000" dirty="0">
-                <a:latin typeface="微软雅黑" panose="020B0503020204020204" pitchFamily="34" charset="-122"/>
-                <a:ea typeface="微软雅黑" panose="020B0503020204020204" pitchFamily="34" charset="-122"/>
-              </a:rPr>
-              <a:t>JSON</a:t>
-            </a:r>
-            <a:r>
-              <a:rPr lang="zh-CN" altLang="en-US" sz="2000" dirty="0">
-                <a:latin typeface="微软雅黑" panose="020B0503020204020204" pitchFamily="34" charset="-122"/>
-                <a:ea typeface="微软雅黑" panose="020B0503020204020204" pitchFamily="34" charset="-122"/>
-              </a:rPr>
-              <a:t>格式的文本数据使用</a:t>
-            </a:r>
-            <a:r>
-              <a:rPr lang="en-US" altLang="zh-CN" sz="2000" dirty="0">
-                <a:latin typeface="微软雅黑" panose="020B0503020204020204" pitchFamily="34" charset="-122"/>
-                <a:ea typeface="微软雅黑" panose="020B0503020204020204" pitchFamily="34" charset="-122"/>
-              </a:rPr>
-              <a:t>POST</a:t>
-            </a:r>
-            <a:r>
-              <a:rPr lang="zh-CN" altLang="en-US" sz="2000" dirty="0">
-                <a:latin typeface="微软雅黑" panose="020B0503020204020204" pitchFamily="34" charset="-122"/>
-                <a:ea typeface="微软雅黑" panose="020B0503020204020204" pitchFamily="34" charset="-122"/>
-              </a:rPr>
-              <a:t>传递。</a:t>
+              <a:t>。</a:t>
             </a:r>
             <a:endParaRPr lang="en-US" altLang="zh-CN" sz="2000" dirty="0">
               <a:latin typeface="微软雅黑" panose="020B0503020204020204" pitchFamily="34" charset="-122"/>
               <a:ea typeface="微软雅黑" panose="020B0503020204020204" pitchFamily="34" charset="-122"/>
             </a:endParaRPr>
           </a:p>
-          <a:p>
-            <a:pPr marL="342900" indent="-342900">
-              <a:lnSpc>
-                <a:spcPct val="150000"/>
-              </a:lnSpc>
-              <a:buFont typeface="Arial" panose="020B0604020202020204" pitchFamily="34" charset="0"/>
-              <a:buChar char="•"/>
-            </a:pPr>
-            <a:r>
-              <a:rPr lang="zh-CN" altLang="en-US" sz="2000" dirty="0">
-                <a:latin typeface="微软雅黑" panose="020B0503020204020204" pitchFamily="34" charset="-122"/>
-                <a:ea typeface="微软雅黑" panose="020B0503020204020204" pitchFamily="34" charset="-122"/>
-              </a:rPr>
-              <a:t>返回值为</a:t>
-            </a:r>
-            <a:r>
-              <a:rPr lang="en-US" altLang="zh-CN" sz="2000" dirty="0">
-                <a:latin typeface="微软雅黑" panose="020B0503020204020204" pitchFamily="34" charset="-122"/>
-                <a:ea typeface="微软雅黑" panose="020B0503020204020204" pitchFamily="34" charset="-122"/>
-              </a:rPr>
-              <a:t>JSON</a:t>
-            </a:r>
-            <a:r>
-              <a:rPr lang="zh-CN" altLang="en-US" sz="2000" dirty="0">
-                <a:latin typeface="微软雅黑" panose="020B0503020204020204" pitchFamily="34" charset="-122"/>
-                <a:ea typeface="微软雅黑" panose="020B0503020204020204" pitchFamily="34" charset="-122"/>
-              </a:rPr>
-              <a:t>格式的文本数据：</a:t>
-            </a:r>
-            <a:endParaRPr lang="en-US" altLang="zh-CN" sz="2000" dirty="0">
-              <a:latin typeface="微软雅黑" panose="020B0503020204020204" pitchFamily="34" charset="-122"/>
-              <a:ea typeface="微软雅黑" panose="020B0503020204020204" pitchFamily="34" charset="-122"/>
-            </a:endParaRPr>
-          </a:p>
-          <a:p>
-            <a:pPr lvl="1">
-              <a:lnSpc>
-                <a:spcPct val="150000"/>
-              </a:lnSpc>
-            </a:pPr>
-            <a:r>
-              <a:rPr lang="zh-CN" altLang="en-US" sz="2000" dirty="0">
-                <a:latin typeface="微软雅黑" panose="020B0503020204020204" pitchFamily="34" charset="-122"/>
-                <a:ea typeface="微软雅黑" panose="020B0503020204020204" pitchFamily="34" charset="-122"/>
-              </a:rPr>
-              <a:t>正确返回数据格式：</a:t>
-            </a:r>
-            <a:r>
-              <a:rPr lang="en-US" altLang="zh-CN" sz="2000" dirty="0">
-                <a:latin typeface="微软雅黑" panose="020B0503020204020204" pitchFamily="34" charset="-122"/>
-                <a:ea typeface="微软雅黑" panose="020B0503020204020204" pitchFamily="34" charset="-122"/>
-              </a:rPr>
-              <a:t>{"errcode":0,"errmsg":"ok"}</a:t>
-            </a:r>
-          </a:p>
-          <a:p>
-            <a:pPr lvl="1">
-              <a:lnSpc>
-                <a:spcPct val="150000"/>
-              </a:lnSpc>
-            </a:pPr>
-            <a:r>
-              <a:rPr lang="zh-CN" altLang="en-US" sz="2000" dirty="0">
-                <a:latin typeface="微软雅黑" panose="020B0503020204020204" pitchFamily="34" charset="-122"/>
-                <a:ea typeface="微软雅黑" panose="020B0503020204020204" pitchFamily="34" charset="-122"/>
-              </a:rPr>
-              <a:t>错误返回数据格式：</a:t>
-            </a:r>
-            <a:r>
-              <a:rPr lang="en-US" altLang="zh-CN" sz="2000" dirty="0">
-                <a:latin typeface="微软雅黑" panose="020B0503020204020204" pitchFamily="34" charset="-122"/>
-                <a:ea typeface="微软雅黑" panose="020B0503020204020204" pitchFamily="34" charset="-122"/>
-              </a:rPr>
-              <a:t>{"errcode":40018,"errmsg":"invalid button name size"}</a:t>
-            </a:r>
-            <a:endParaRPr lang="zh-CN" altLang="en-US" sz="2000" dirty="0">
-              <a:latin typeface="微软雅黑" panose="020B0503020204020204" pitchFamily="34" charset="-122"/>
-              <a:ea typeface="微软雅黑" panose="020B0503020204020204" pitchFamily="34" charset="-122"/>
-            </a:endParaRPr>
-          </a:p>
         </p:txBody>
       </p:sp>
     </p:spTree>
     <p:extLst>
       <p:ext uri="{BB962C8B-B14F-4D97-AF65-F5344CB8AC3E}">
-        <p14:creationId xmlns:p14="http://schemas.microsoft.com/office/powerpoint/2010/main" val="2026224558"/>
+        <p14:creationId xmlns:p14="http://schemas.microsoft.com/office/powerpoint/2010/main" val="4005225624"/>
       </p:ext>
     </p:extLst>
   </p:cSld>
@@ -17857,18 +17770,18 @@
       </p:grpSpPr>
       <p:sp>
         <p:nvSpPr>
-          <p:cNvPr id="2" name="内容占位符 1"/>
+          <p:cNvPr id="3" name="内容占位符 2"/>
           <p:cNvSpPr>
             <a:spLocks noGrp="1"/>
           </p:cNvSpPr>
           <p:nvPr>
-            <p:ph sz="quarter" idx="13"/>
+            <p:ph sz="quarter" idx="15"/>
           </p:nvPr>
         </p:nvSpPr>
         <p:spPr>
           <a:xfrm>
-            <a:off x="1054099" y="543636"/>
-            <a:ext cx="6975475" cy="685800"/>
+            <a:off x="917622" y="516340"/>
+            <a:ext cx="4852557" cy="685800"/>
           </a:xfrm>
         </p:spPr>
         <p:txBody>
@@ -17877,21 +17790,21 @@
           <a:p>
             <a:r>
               <a:rPr lang="zh-CN" altLang="en-US" b="0" dirty="0"/>
-              <a:t>获取自定义菜单</a:t>
-            </a:r>
-          </a:p>
-        </p:txBody>
-      </p:sp>
-      <p:sp>
-        <p:nvSpPr>
-          <p:cNvPr id="4" name="文本框 3"/>
+              <a:t>创建自定义菜单</a:t>
+            </a:r>
+          </a:p>
+        </p:txBody>
+      </p:sp>
+      <p:sp>
+        <p:nvSpPr>
+          <p:cNvPr id="6" name="文本框 5"/>
           <p:cNvSpPr txBox="1"/>
           <p:nvPr/>
         </p:nvSpPr>
         <p:spPr>
           <a:xfrm>
-            <a:off x="1157287" y="1600200"/>
-            <a:ext cx="9043987" cy="1429622"/>
+            <a:off x="917622" y="1603874"/>
+            <a:ext cx="10498455" cy="2862322"/>
           </a:xfrm>
           <a:prstGeom prst="rect">
             <a:avLst/>
@@ -17904,7 +17817,7 @@
           </a:bodyPr>
           <a:lstStyle/>
           <a:p>
-            <a:pPr marL="285750" indent="-285750">
+            <a:pPr marL="342900" indent="-342900">
               <a:lnSpc>
                 <a:spcPct val="150000"/>
               </a:lnSpc>
@@ -17913,28 +17826,96 @@
             </a:pPr>
             <a:r>
               <a:rPr lang="zh-CN" altLang="en-US" sz="2000" dirty="0">
-                <a:latin typeface="Calibri" panose="020F0502020204030204" pitchFamily="34" charset="0"/>
-                <a:ea typeface="微软雅黑" panose="020B0503020204020204" pitchFamily="34" charset="-122"/>
-                <a:cs typeface="Calibri" panose="020F0502020204030204" pitchFamily="34" charset="0"/>
-              </a:rPr>
-              <a:t>获取</a:t>
+                <a:latin typeface="微软雅黑" panose="020B0503020204020204" pitchFamily="34" charset="-122"/>
+                <a:ea typeface="微软雅黑" panose="020B0503020204020204" pitchFamily="34" charset="-122"/>
+              </a:rPr>
+              <a:t>在以上代码基础上实现自定义菜单功能：</a:t>
+            </a:r>
+            <a:r>
+              <a:rPr lang="en-US" altLang="zh-CN" sz="2000" dirty="0">
+                <a:latin typeface="微软雅黑" panose="020B0503020204020204" pitchFamily="34" charset="-122"/>
+                <a:ea typeface="微软雅黑" panose="020B0503020204020204" pitchFamily="34" charset="-122"/>
+              </a:rPr>
+              <a:t> </a:t>
+            </a:r>
+            <a:r>
+              <a:rPr lang="en-US" altLang="zh-CN" sz="2000" dirty="0">
+                <a:latin typeface="微软雅黑" panose="020B0503020204020204" pitchFamily="34" charset="-122"/>
+                <a:ea typeface="微软雅黑" panose="020B0503020204020204" pitchFamily="34" charset="-122"/>
+                <a:hlinkClick r:id="rId2"/>
+              </a:rPr>
+              <a:t>https://api.weixin.qq.com/cgi-bin/menu/create?access_token=ACCESS_TOKEN</a:t>
+            </a:r>
+            <a:r>
+              <a:rPr lang="zh-CN" altLang="en-US" sz="2000" dirty="0">
+                <a:latin typeface="微软雅黑" panose="020B0503020204020204" pitchFamily="34" charset="-122"/>
+                <a:ea typeface="微软雅黑" panose="020B0503020204020204" pitchFamily="34" charset="-122"/>
+              </a:rPr>
+              <a:t>是创建自定义菜单的接口，把之前获取到的</a:t>
             </a:r>
             <a:r>
               <a:rPr lang="en-US" altLang="zh-CN" sz="2000" dirty="0" err="1">
-                <a:latin typeface="Calibri" panose="020F0502020204030204" pitchFamily="34" charset="0"/>
-                <a:ea typeface="微软雅黑" panose="020B0503020204020204" pitchFamily="34" charset="-122"/>
-                <a:cs typeface="Calibri" panose="020F0502020204030204" pitchFamily="34" charset="0"/>
+                <a:latin typeface="微软雅黑" panose="020B0503020204020204" pitchFamily="34" charset="-122"/>
+                <a:ea typeface="微软雅黑" panose="020B0503020204020204" pitchFamily="34" charset="-122"/>
               </a:rPr>
               <a:t>access_token</a:t>
             </a:r>
+            <a:r>
+              <a:rPr lang="zh-CN" altLang="en-US" sz="2000" dirty="0">
+                <a:latin typeface="微软雅黑" panose="020B0503020204020204" pitchFamily="34" charset="-122"/>
+                <a:ea typeface="微软雅黑" panose="020B0503020204020204" pitchFamily="34" charset="-122"/>
+              </a:rPr>
+              <a:t>作为</a:t>
+            </a:r>
+            <a:r>
+              <a:rPr lang="en-US" altLang="zh-CN" sz="2000" dirty="0">
+                <a:latin typeface="微软雅黑" panose="020B0503020204020204" pitchFamily="34" charset="-122"/>
+                <a:ea typeface="微软雅黑" panose="020B0503020204020204" pitchFamily="34" charset="-122"/>
+              </a:rPr>
+              <a:t>get</a:t>
+            </a:r>
+            <a:r>
+              <a:rPr lang="zh-CN" altLang="en-US" sz="2000" dirty="0">
+                <a:latin typeface="微软雅黑" panose="020B0503020204020204" pitchFamily="34" charset="-122"/>
+                <a:ea typeface="微软雅黑" panose="020B0503020204020204" pitchFamily="34" charset="-122"/>
+              </a:rPr>
+              <a:t>参数，</a:t>
+            </a:r>
+            <a:r>
+              <a:rPr lang="en-US" altLang="zh-CN" sz="2000" dirty="0">
+                <a:latin typeface="微软雅黑" panose="020B0503020204020204" pitchFamily="34" charset="-122"/>
+                <a:ea typeface="微软雅黑" panose="020B0503020204020204" pitchFamily="34" charset="-122"/>
+              </a:rPr>
+              <a:t>JSON</a:t>
+            </a:r>
+            <a:r>
+              <a:rPr lang="zh-CN" altLang="en-US" sz="2000" dirty="0">
+                <a:latin typeface="微软雅黑" panose="020B0503020204020204" pitchFamily="34" charset="-122"/>
+                <a:ea typeface="微软雅黑" panose="020B0503020204020204" pitchFamily="34" charset="-122"/>
+              </a:rPr>
+              <a:t>格式的文本数据使用</a:t>
+            </a:r>
+            <a:r>
+              <a:rPr lang="en-US" altLang="zh-CN" sz="2000" dirty="0">
+                <a:latin typeface="微软雅黑" panose="020B0503020204020204" pitchFamily="34" charset="-122"/>
+                <a:ea typeface="微软雅黑" panose="020B0503020204020204" pitchFamily="34" charset="-122"/>
+              </a:rPr>
+              <a:t>POST</a:t>
+            </a:r>
+            <a:r>
+              <a:rPr lang="zh-CN" altLang="en-US" sz="2000" dirty="0">
+                <a:latin typeface="微软雅黑" panose="020B0503020204020204" pitchFamily="34" charset="-122"/>
+                <a:ea typeface="微软雅黑" panose="020B0503020204020204" pitchFamily="34" charset="-122"/>
+              </a:rPr>
+              <a:t>传递。</a:t>
+            </a:r>
             <a:endParaRPr lang="en-US" altLang="zh-CN" sz="2000" dirty="0">
-              <a:latin typeface="Calibri" panose="020F0502020204030204" pitchFamily="34" charset="0"/>
+              <a:latin typeface="微软雅黑" panose="020B0503020204020204" pitchFamily="34" charset="-122"/>
               <a:ea typeface="微软雅黑" panose="020B0503020204020204" pitchFamily="34" charset="-122"/>
-              <a:cs typeface="Calibri" panose="020F0502020204030204" pitchFamily="34" charset="0"/>
             </a:endParaRPr>
           </a:p>
           <a:p>
-            <a:pPr marL="285750" indent="-285750">
+            <a:pPr marL="342900" indent="-342900">
               <a:lnSpc>
                 <a:spcPct val="150000"/>
               </a:lnSpc>
@@ -17943,16 +17924,28 @@
             </a:pPr>
             <a:r>
               <a:rPr lang="zh-CN" altLang="en-US" sz="2000" dirty="0">
-                <a:latin typeface="Calibri" panose="020F0502020204030204" pitchFamily="34" charset="0"/>
-                <a:ea typeface="微软雅黑" panose="020B0503020204020204" pitchFamily="34" charset="-122"/>
-                <a:cs typeface="Calibri" panose="020F0502020204030204" pitchFamily="34" charset="0"/>
-              </a:rPr>
-              <a:t>调用接口：</a:t>
+                <a:latin typeface="微软雅黑" panose="020B0503020204020204" pitchFamily="34" charset="-122"/>
+                <a:ea typeface="微软雅黑" panose="020B0503020204020204" pitchFamily="34" charset="-122"/>
+              </a:rPr>
+              <a:t>返回值为</a:t>
+            </a:r>
+            <a:r>
+              <a:rPr lang="en-US" altLang="zh-CN" sz="2000" dirty="0">
+                <a:latin typeface="微软雅黑" panose="020B0503020204020204" pitchFamily="34" charset="-122"/>
+                <a:ea typeface="微软雅黑" panose="020B0503020204020204" pitchFamily="34" charset="-122"/>
+              </a:rPr>
+              <a:t>JSON</a:t>
+            </a:r>
+            <a:r>
+              <a:rPr lang="zh-CN" altLang="en-US" sz="2000" dirty="0">
+                <a:latin typeface="微软雅黑" panose="020B0503020204020204" pitchFamily="34" charset="-122"/>
+                <a:ea typeface="微软雅黑" panose="020B0503020204020204" pitchFamily="34" charset="-122"/>
+              </a:rPr>
+              <a:t>格式的文本数据：</a:t>
             </a:r>
             <a:endParaRPr lang="en-US" altLang="zh-CN" sz="2000" dirty="0">
-              <a:latin typeface="Calibri" panose="020F0502020204030204" pitchFamily="34" charset="0"/>
+              <a:latin typeface="微软雅黑" panose="020B0503020204020204" pitchFamily="34" charset="-122"/>
               <a:ea typeface="微软雅黑" panose="020B0503020204020204" pitchFamily="34" charset="-122"/>
-              <a:cs typeface="Calibri" panose="020F0502020204030204" pitchFamily="34" charset="0"/>
             </a:endParaRPr>
           </a:p>
           <a:p>
@@ -17962,20 +17955,51 @@
               </a:lnSpc>
             </a:pPr>
             <a:r>
+              <a:rPr lang="zh-CN" altLang="en-US" sz="2000" dirty="0">
+                <a:latin typeface="微软雅黑" panose="020B0503020204020204" pitchFamily="34" charset="-122"/>
+                <a:ea typeface="微软雅黑" panose="020B0503020204020204" pitchFamily="34" charset="-122"/>
+              </a:rPr>
+              <a:t>正确返回数据格式：</a:t>
+            </a:r>
+            <a:r>
               <a:rPr lang="en-US" altLang="zh-CN" sz="2000" dirty="0">
-                <a:latin typeface="Calibri" panose="020F0502020204030204" pitchFamily="34" charset="0"/>
-                <a:ea typeface="微软雅黑" panose="020B0503020204020204" pitchFamily="34" charset="-122"/>
-                <a:cs typeface="Calibri" panose="020F0502020204030204" pitchFamily="34" charset="0"/>
-              </a:rPr>
-              <a:t>https://api.weixin.qq.com/cgi-bin/menu/get?access_token=ACCESS_TOKEN</a:t>
-            </a:r>
+                <a:latin typeface="微软雅黑" panose="020B0503020204020204" pitchFamily="34" charset="-122"/>
+                <a:ea typeface="微软雅黑" panose="020B0503020204020204" pitchFamily="34" charset="-122"/>
+              </a:rPr>
+              <a:t>{"errcode":0,"errmsg":"ok"}</a:t>
+            </a:r>
+          </a:p>
+          <a:p>
+            <a:pPr lvl="1">
+              <a:lnSpc>
+                <a:spcPct val="150000"/>
+              </a:lnSpc>
+            </a:pPr>
+            <a:r>
+              <a:rPr lang="zh-CN" altLang="en-US" sz="2000" dirty="0">
+                <a:latin typeface="微软雅黑" panose="020B0503020204020204" pitchFamily="34" charset="-122"/>
+                <a:ea typeface="微软雅黑" panose="020B0503020204020204" pitchFamily="34" charset="-122"/>
+              </a:rPr>
+              <a:t>错误返回数据格式：</a:t>
+            </a:r>
+            <a:r>
+              <a:rPr lang="en-US" altLang="zh-CN" sz="2000" dirty="0">
+                <a:latin typeface="微软雅黑" panose="020B0503020204020204" pitchFamily="34" charset="-122"/>
+                <a:ea typeface="微软雅黑" panose="020B0503020204020204" pitchFamily="34" charset="-122"/>
+              </a:rPr>
+              <a:t>{"errcode":40018,"errmsg":"invalid button name size"}</a:t>
+            </a:r>
+            <a:endParaRPr lang="zh-CN" altLang="en-US" sz="2000" dirty="0">
+              <a:latin typeface="微软雅黑" panose="020B0503020204020204" pitchFamily="34" charset="-122"/>
+              <a:ea typeface="微软雅黑" panose="020B0503020204020204" pitchFamily="34" charset="-122"/>
+            </a:endParaRPr>
           </a:p>
         </p:txBody>
       </p:sp>
     </p:spTree>
     <p:extLst>
       <p:ext uri="{BB962C8B-B14F-4D97-AF65-F5344CB8AC3E}">
-        <p14:creationId xmlns:p14="http://schemas.microsoft.com/office/powerpoint/2010/main" val="1233054786"/>
+        <p14:creationId xmlns:p14="http://schemas.microsoft.com/office/powerpoint/2010/main" val="2026224558"/>
       </p:ext>
     </p:extLst>
   </p:cSld>
@@ -18024,6 +18048,153 @@
           <a:p>
             <a:r>
               <a:rPr lang="zh-CN" altLang="en-US" b="0" dirty="0"/>
+              <a:t>获取自定义菜单</a:t>
+            </a:r>
+          </a:p>
+        </p:txBody>
+      </p:sp>
+      <p:sp>
+        <p:nvSpPr>
+          <p:cNvPr id="4" name="文本框 3"/>
+          <p:cNvSpPr txBox="1"/>
+          <p:nvPr/>
+        </p:nvSpPr>
+        <p:spPr>
+          <a:xfrm>
+            <a:off x="1157287" y="1600200"/>
+            <a:ext cx="9043987" cy="1429622"/>
+          </a:xfrm>
+          <a:prstGeom prst="rect">
+            <a:avLst/>
+          </a:prstGeom>
+          <a:noFill/>
+        </p:spPr>
+        <p:txBody>
+          <a:bodyPr wrap="square" rtlCol="0">
+            <a:spAutoFit/>
+          </a:bodyPr>
+          <a:lstStyle/>
+          <a:p>
+            <a:pPr marL="285750" indent="-285750">
+              <a:lnSpc>
+                <a:spcPct val="150000"/>
+              </a:lnSpc>
+              <a:buFont typeface="Arial" panose="020B0604020202020204" pitchFamily="34" charset="0"/>
+              <a:buChar char="•"/>
+            </a:pPr>
+            <a:r>
+              <a:rPr lang="zh-CN" altLang="en-US" sz="2000" dirty="0">
+                <a:latin typeface="Calibri" panose="020F0502020204030204" pitchFamily="34" charset="0"/>
+                <a:ea typeface="微软雅黑" panose="020B0503020204020204" pitchFamily="34" charset="-122"/>
+                <a:cs typeface="Calibri" panose="020F0502020204030204" pitchFamily="34" charset="0"/>
+              </a:rPr>
+              <a:t>获取</a:t>
+            </a:r>
+            <a:r>
+              <a:rPr lang="en-US" altLang="zh-CN" sz="2000" dirty="0" err="1">
+                <a:latin typeface="Calibri" panose="020F0502020204030204" pitchFamily="34" charset="0"/>
+                <a:ea typeface="微软雅黑" panose="020B0503020204020204" pitchFamily="34" charset="-122"/>
+                <a:cs typeface="Calibri" panose="020F0502020204030204" pitchFamily="34" charset="0"/>
+              </a:rPr>
+              <a:t>access_token</a:t>
+            </a:r>
+            <a:endParaRPr lang="en-US" altLang="zh-CN" sz="2000" dirty="0">
+              <a:latin typeface="Calibri" panose="020F0502020204030204" pitchFamily="34" charset="0"/>
+              <a:ea typeface="微软雅黑" panose="020B0503020204020204" pitchFamily="34" charset="-122"/>
+              <a:cs typeface="Calibri" panose="020F0502020204030204" pitchFamily="34" charset="0"/>
+            </a:endParaRPr>
+          </a:p>
+          <a:p>
+            <a:pPr marL="285750" indent="-285750">
+              <a:lnSpc>
+                <a:spcPct val="150000"/>
+              </a:lnSpc>
+              <a:buFont typeface="Arial" panose="020B0604020202020204" pitchFamily="34" charset="0"/>
+              <a:buChar char="•"/>
+            </a:pPr>
+            <a:r>
+              <a:rPr lang="zh-CN" altLang="en-US" sz="2000" dirty="0">
+                <a:latin typeface="Calibri" panose="020F0502020204030204" pitchFamily="34" charset="0"/>
+                <a:ea typeface="微软雅黑" panose="020B0503020204020204" pitchFamily="34" charset="-122"/>
+                <a:cs typeface="Calibri" panose="020F0502020204030204" pitchFamily="34" charset="0"/>
+              </a:rPr>
+              <a:t>调用接口：</a:t>
+            </a:r>
+            <a:endParaRPr lang="en-US" altLang="zh-CN" sz="2000" dirty="0">
+              <a:latin typeface="Calibri" panose="020F0502020204030204" pitchFamily="34" charset="0"/>
+              <a:ea typeface="微软雅黑" panose="020B0503020204020204" pitchFamily="34" charset="-122"/>
+              <a:cs typeface="Calibri" panose="020F0502020204030204" pitchFamily="34" charset="0"/>
+            </a:endParaRPr>
+          </a:p>
+          <a:p>
+            <a:pPr lvl="1">
+              <a:lnSpc>
+                <a:spcPct val="150000"/>
+              </a:lnSpc>
+            </a:pPr>
+            <a:r>
+              <a:rPr lang="en-US" altLang="zh-CN" sz="2000" dirty="0">
+                <a:latin typeface="Calibri" panose="020F0502020204030204" pitchFamily="34" charset="0"/>
+                <a:ea typeface="微软雅黑" panose="020B0503020204020204" pitchFamily="34" charset="-122"/>
+                <a:cs typeface="Calibri" panose="020F0502020204030204" pitchFamily="34" charset="0"/>
+              </a:rPr>
+              <a:t>https://api.weixin.qq.com/cgi-bin/menu/get?access_token=ACCESS_TOKEN</a:t>
+            </a:r>
+          </a:p>
+        </p:txBody>
+      </p:sp>
+    </p:spTree>
+    <p:extLst>
+      <p:ext uri="{BB962C8B-B14F-4D97-AF65-F5344CB8AC3E}">
+        <p14:creationId xmlns:p14="http://schemas.microsoft.com/office/powerpoint/2010/main" val="1233054786"/>
+      </p:ext>
+    </p:extLst>
+  </p:cSld>
+  <p:clrMapOvr>
+    <a:masterClrMapping/>
+  </p:clrMapOvr>
+</p:sld>
+</file>
+
+<file path=ppt/slides/slide26.xml><?xml version="1.0" encoding="utf-8"?>
+<p:sld xmlns:a="http://schemas.openxmlformats.org/drawingml/2006/main" xmlns:r="http://schemas.openxmlformats.org/officeDocument/2006/relationships" xmlns:p="http://schemas.openxmlformats.org/presentationml/2006/main">
+  <p:cSld>
+    <p:spTree>
+      <p:nvGrpSpPr>
+        <p:cNvPr id="1" name=""/>
+        <p:cNvGrpSpPr/>
+        <p:nvPr/>
+      </p:nvGrpSpPr>
+      <p:grpSpPr>
+        <a:xfrm>
+          <a:off x="0" y="0"/>
+          <a:ext cx="0" cy="0"/>
+          <a:chOff x="0" y="0"/>
+          <a:chExt cx="0" cy="0"/>
+        </a:xfrm>
+      </p:grpSpPr>
+      <p:sp>
+        <p:nvSpPr>
+          <p:cNvPr id="2" name="内容占位符 1"/>
+          <p:cNvSpPr>
+            <a:spLocks noGrp="1"/>
+          </p:cNvSpPr>
+          <p:nvPr>
+            <p:ph sz="quarter" idx="13"/>
+          </p:nvPr>
+        </p:nvSpPr>
+        <p:spPr>
+          <a:xfrm>
+            <a:off x="1054099" y="543636"/>
+            <a:ext cx="6975475" cy="685800"/>
+          </a:xfrm>
+        </p:spPr>
+        <p:txBody>
+          <a:bodyPr/>
+          <a:lstStyle/>
+          <a:p>
+            <a:r>
+              <a:rPr lang="zh-CN" altLang="en-US" b="0" dirty="0"/>
               <a:t>删除自定义菜单</a:t>
             </a:r>
           </a:p>
@@ -18164,7 +18335,7 @@
 </p:sld>
 </file>
 
-<file path=ppt/slides/slide26.xml><?xml version="1.0" encoding="utf-8"?>
+<file path=ppt/slides/slide27.xml><?xml version="1.0" encoding="utf-8"?>
 <p:sld xmlns:a="http://schemas.openxmlformats.org/drawingml/2006/main" xmlns:r="http://schemas.openxmlformats.org/officeDocument/2006/relationships" xmlns:p="http://schemas.openxmlformats.org/presentationml/2006/main">
   <p:cSld>
     <p:spTree>
